--- a/Final[2508].pptx
+++ b/Final[2508].pptx
@@ -218,7 +218,7 @@
           <a:p>
             <a:fld id="{69F75836-DCE1-46D1-902E-93AB39588390}" type="datetimeFigureOut">
               <a:rPr lang="en-US" smtClean="0"/>
-              <a:t>12/1/2019</a:t>
+              <a:t>12/3/2019</a:t>
             </a:fld>
             <a:endParaRPr lang="en-US"/>
           </a:p>
@@ -730,7 +730,7 @@
           <a:p>
             <a:fld id="{AB74F416-60AC-47B8-B7A4-8E59A1593C56}" type="datetime1">
               <a:rPr lang="en-US" smtClean="0"/>
-              <a:t>12/1/2019</a:t>
+              <a:t>12/3/2019</a:t>
             </a:fld>
             <a:endParaRPr lang="en-US"/>
           </a:p>
@@ -1015,7 +1015,7 @@
           <a:p>
             <a:fld id="{BB53C6D8-AA99-4DA3-ABE8-6564F3774B9A}" type="datetime1">
               <a:rPr lang="en-US" smtClean="0"/>
-              <a:t>12/1/2019</a:t>
+              <a:t>12/3/2019</a:t>
             </a:fld>
             <a:endParaRPr lang="en-US"/>
           </a:p>
@@ -1198,7 +1198,7 @@
           <a:p>
             <a:fld id="{FAFFD409-992B-4396-831E-400331BF155E}" type="datetime1">
               <a:rPr lang="en-US" smtClean="0"/>
-              <a:t>12/1/2019</a:t>
+              <a:t>12/3/2019</a:t>
             </a:fld>
             <a:endParaRPr lang="en-US"/>
           </a:p>
@@ -1371,7 +1371,7 @@
           <a:p>
             <a:fld id="{A58A56B9-9364-44BD-B6D4-BF1545A1D032}" type="datetime1">
               <a:rPr lang="en-US" smtClean="0"/>
-              <a:t>12/1/2019</a:t>
+              <a:t>12/3/2019</a:t>
             </a:fld>
             <a:endParaRPr lang="en-US"/>
           </a:p>
@@ -1646,7 +1646,7 @@
           <a:p>
             <a:fld id="{08107730-E7E0-4034-9139-F86131BC67E9}" type="datetime1">
               <a:rPr lang="en-US" smtClean="0"/>
-              <a:t>12/1/2019</a:t>
+              <a:t>12/3/2019</a:t>
             </a:fld>
             <a:endParaRPr lang="en-US"/>
           </a:p>
@@ -1997,7 +1997,7 @@
           <a:p>
             <a:fld id="{2128C74C-6B0A-4BE2-AEB5-ADDA4577555B}" type="datetime1">
               <a:rPr lang="en-US" smtClean="0"/>
-              <a:t>12/1/2019</a:t>
+              <a:t>12/3/2019</a:t>
             </a:fld>
             <a:endParaRPr lang="en-US"/>
           </a:p>
@@ -2477,7 +2477,7 @@
           <a:p>
             <a:fld id="{96ED5E1F-5CA0-44A8-9FAF-8E0C8C93E227}" type="datetime1">
               <a:rPr lang="en-US" smtClean="0"/>
-              <a:t>12/1/2019</a:t>
+              <a:t>12/3/2019</a:t>
             </a:fld>
             <a:endParaRPr lang="en-US"/>
           </a:p>
@@ -2598,7 +2598,7 @@
           <a:p>
             <a:fld id="{9F749C11-8001-49CF-9B59-56FDE52B5F69}" type="datetime1">
               <a:rPr lang="en-US" smtClean="0"/>
-              <a:t>12/1/2019</a:t>
+              <a:t>12/3/2019</a:t>
             </a:fld>
             <a:endParaRPr lang="en-US"/>
           </a:p>
@@ -2696,7 +2696,7 @@
           <a:p>
             <a:fld id="{5EC0E55E-AF34-4E2E-A4E8-BDA3BCCD8B12}" type="datetime1">
               <a:rPr lang="en-US" smtClean="0"/>
-              <a:t>12/1/2019</a:t>
+              <a:t>12/3/2019</a:t>
             </a:fld>
             <a:endParaRPr lang="en-US"/>
           </a:p>
@@ -3045,7 +3045,7 @@
           <a:p>
             <a:fld id="{C85C3791-D12F-464C-8CBC-469E089CC249}" type="datetime1">
               <a:rPr lang="en-US" smtClean="0"/>
-              <a:t>12/1/2019</a:t>
+              <a:t>12/3/2019</a:t>
             </a:fld>
             <a:endParaRPr lang="en-US"/>
           </a:p>
@@ -3431,7 +3431,7 @@
           <a:p>
             <a:fld id="{3901A8D7-7DE1-49C0-A859-BA2154FD532A}" type="datetime1">
               <a:rPr lang="en-US" smtClean="0"/>
-              <a:t>12/1/2019</a:t>
+              <a:t>12/3/2019</a:t>
             </a:fld>
             <a:endParaRPr lang="en-US"/>
           </a:p>
@@ -3704,7 +3704,7 @@
           <a:p>
             <a:fld id="{C3381DA6-54E6-48A3-B70A-BA200C1D04A7}" type="datetime1">
               <a:rPr lang="en-US" smtClean="0"/>
-              <a:t>12/1/2019</a:t>
+              <a:t>12/3/2019</a:t>
             </a:fld>
             <a:endParaRPr lang="en-US"/>
           </a:p>
@@ -4351,7 +4351,7 @@
           <p:cNvPr id="7" name="Picture 6">
             <a:extLst>
               <a:ext uri="{FF2B5EF4-FFF2-40B4-BE49-F238E27FC236}">
-                <a16:creationId xmlns:a16="http://schemas.microsoft.com/office/drawing/2014/main" xmlns="" id="{C87BE86B-E7D9-4F90-831E-5069DA0C28B1}"/>
+                <a16:creationId xmlns="" xmlns:a16="http://schemas.microsoft.com/office/drawing/2014/main" id="{C87BE86B-E7D9-4F90-831E-5069DA0C28B1}"/>
               </a:ext>
             </a:extLst>
           </p:cNvPr>
@@ -4412,7 +4412,7 @@
           <p:cNvPr id="2" name="Title 1">
             <a:extLst>
               <a:ext uri="{FF2B5EF4-FFF2-40B4-BE49-F238E27FC236}">
-                <a16:creationId xmlns:a16="http://schemas.microsoft.com/office/drawing/2014/main" xmlns="" id="{CD1992F5-37E6-4DF0-B6E3-E3BC4D55116B}"/>
+                <a16:creationId xmlns="" xmlns:a16="http://schemas.microsoft.com/office/drawing/2014/main" id="{CD1992F5-37E6-4DF0-B6E3-E3BC4D55116B}"/>
               </a:ext>
             </a:extLst>
           </p:cNvPr>
@@ -4435,9 +4435,10 @@
           <a:p>
             <a:pPr algn="ctr"/>
             <a:r>
-              <a:rPr lang="en-US" dirty="0"/>
-              <a:t>Animator Module</a:t>
-            </a:r>
+              <a:rPr lang="en-US" dirty="0" smtClean="0"/>
+              <a:t>Animator</a:t>
+            </a:r>
+            <a:endParaRPr lang="en-US" dirty="0"/>
           </a:p>
         </p:txBody>
       </p:sp>
@@ -4446,7 +4447,7 @@
           <p:cNvPr id="4" name="Picture 3">
             <a:extLst>
               <a:ext uri="{FF2B5EF4-FFF2-40B4-BE49-F238E27FC236}">
-                <a16:creationId xmlns:a16="http://schemas.microsoft.com/office/drawing/2014/main" xmlns="" id="{B74C3B5E-2C72-408E-A17F-2852A157BCF4}"/>
+                <a16:creationId xmlns="" xmlns:a16="http://schemas.microsoft.com/office/drawing/2014/main" id="{B74C3B5E-2C72-408E-A17F-2852A157BCF4}"/>
               </a:ext>
             </a:extLst>
           </p:cNvPr>
@@ -4515,7 +4516,7 @@
           <p:cNvPr id="2" name="Title 1">
             <a:extLst>
               <a:ext uri="{FF2B5EF4-FFF2-40B4-BE49-F238E27FC236}">
-                <a16:creationId xmlns:a16="http://schemas.microsoft.com/office/drawing/2014/main" xmlns="" id="{72408A9F-7FA8-47EE-AEA8-112E9A11308D}"/>
+                <a16:creationId xmlns="" xmlns:a16="http://schemas.microsoft.com/office/drawing/2014/main" id="{72408A9F-7FA8-47EE-AEA8-112E9A11308D}"/>
               </a:ext>
             </a:extLst>
           </p:cNvPr>
@@ -4543,7 +4544,7 @@
           <p:cNvPr id="4" name="Picture 3">
             <a:extLst>
               <a:ext uri="{FF2B5EF4-FFF2-40B4-BE49-F238E27FC236}">
-                <a16:creationId xmlns:a16="http://schemas.microsoft.com/office/drawing/2014/main" xmlns="" id="{130C693D-0082-42E2-8009-DAA156230A2D}"/>
+                <a16:creationId xmlns="" xmlns:a16="http://schemas.microsoft.com/office/drawing/2014/main" id="{130C693D-0082-42E2-8009-DAA156230A2D}"/>
               </a:ext>
             </a:extLst>
           </p:cNvPr>
@@ -4607,7 +4608,7 @@
           <p:cNvPr id="2" name="Title 1">
             <a:extLst>
               <a:ext uri="{FF2B5EF4-FFF2-40B4-BE49-F238E27FC236}">
-                <a16:creationId xmlns:a16="http://schemas.microsoft.com/office/drawing/2014/main" xmlns="" id="{35E05BB2-BBAA-4D69-A33C-1E9EA5535B15}"/>
+                <a16:creationId xmlns="" xmlns:a16="http://schemas.microsoft.com/office/drawing/2014/main" id="{35E05BB2-BBAA-4D69-A33C-1E9EA5535B15}"/>
               </a:ext>
             </a:extLst>
           </p:cNvPr>
@@ -4635,7 +4636,7 @@
           <p:cNvPr id="3" name="Content Placeholder 2">
             <a:extLst>
               <a:ext uri="{FF2B5EF4-FFF2-40B4-BE49-F238E27FC236}">
-                <a16:creationId xmlns:a16="http://schemas.microsoft.com/office/drawing/2014/main" xmlns="" id="{D6C69CD3-FDB0-4F51-BF20-3540E3E5BDC3}"/>
+                <a16:creationId xmlns="" xmlns:a16="http://schemas.microsoft.com/office/drawing/2014/main" id="{D6C69CD3-FDB0-4F51-BF20-3540E3E5BDC3}"/>
               </a:ext>
             </a:extLst>
           </p:cNvPr>
@@ -4705,7 +4706,7 @@
           <p:cNvPr id="2" name="Title 1">
             <a:extLst>
               <a:ext uri="{FF2B5EF4-FFF2-40B4-BE49-F238E27FC236}">
-                <a16:creationId xmlns:a16="http://schemas.microsoft.com/office/drawing/2014/main" xmlns="" id="{C66671C6-2D3E-41A2-9405-3BE98F784F4E}"/>
+                <a16:creationId xmlns="" xmlns:a16="http://schemas.microsoft.com/office/drawing/2014/main" id="{C66671C6-2D3E-41A2-9405-3BE98F784F4E}"/>
               </a:ext>
             </a:extLst>
           </p:cNvPr>
@@ -4739,7 +4740,7 @@
           <p:cNvPr id="3" name="Content Placeholder 2">
             <a:extLst>
               <a:ext uri="{FF2B5EF4-FFF2-40B4-BE49-F238E27FC236}">
-                <a16:creationId xmlns:a16="http://schemas.microsoft.com/office/drawing/2014/main" xmlns="" id="{4F2994D7-DD43-4771-88A0-0B2DABC7D5EF}"/>
+                <a16:creationId xmlns="" xmlns:a16="http://schemas.microsoft.com/office/drawing/2014/main" id="{4F2994D7-DD43-4771-88A0-0B2DABC7D5EF}"/>
               </a:ext>
             </a:extLst>
           </p:cNvPr>
@@ -4855,7 +4856,7 @@
           <p:cNvPr id="2" name="Title 1">
             <a:extLst>
               <a:ext uri="{FF2B5EF4-FFF2-40B4-BE49-F238E27FC236}">
-                <a16:creationId xmlns:a16="http://schemas.microsoft.com/office/drawing/2014/main" xmlns="" id="{32BF840A-1286-494D-8F55-F34E4C46CC90}"/>
+                <a16:creationId xmlns="" xmlns:a16="http://schemas.microsoft.com/office/drawing/2014/main" id="{32BF840A-1286-494D-8F55-F34E4C46CC90}"/>
               </a:ext>
             </a:extLst>
           </p:cNvPr>
@@ -4883,7 +4884,7 @@
           <p:cNvPr id="3" name="Content Placeholder 2">
             <a:extLst>
               <a:ext uri="{FF2B5EF4-FFF2-40B4-BE49-F238E27FC236}">
-                <a16:creationId xmlns:a16="http://schemas.microsoft.com/office/drawing/2014/main" xmlns="" id="{7A585712-05BE-4FEE-B049-114455637083}"/>
+                <a16:creationId xmlns="" xmlns:a16="http://schemas.microsoft.com/office/drawing/2014/main" id="{7A585712-05BE-4FEE-B049-114455637083}"/>
               </a:ext>
             </a:extLst>
           </p:cNvPr>
@@ -4955,7 +4956,7 @@
           <p:cNvPr id="2" name="Title 1">
             <a:extLst>
               <a:ext uri="{FF2B5EF4-FFF2-40B4-BE49-F238E27FC236}">
-                <a16:creationId xmlns:a16="http://schemas.microsoft.com/office/drawing/2014/main" xmlns="" id="{22EC3005-1204-404A-8DF6-14963C08CD39}"/>
+                <a16:creationId xmlns="" xmlns:a16="http://schemas.microsoft.com/office/drawing/2014/main" id="{22EC3005-1204-404A-8DF6-14963C08CD39}"/>
               </a:ext>
             </a:extLst>
           </p:cNvPr>
@@ -4983,7 +4984,7 @@
           <p:cNvPr id="3" name="Content Placeholder 2">
             <a:extLst>
               <a:ext uri="{FF2B5EF4-FFF2-40B4-BE49-F238E27FC236}">
-                <a16:creationId xmlns:a16="http://schemas.microsoft.com/office/drawing/2014/main" xmlns="" id="{7FF16DDA-DC2F-4804-B711-3266D19946C7}"/>
+                <a16:creationId xmlns="" xmlns:a16="http://schemas.microsoft.com/office/drawing/2014/main" id="{7FF16DDA-DC2F-4804-B711-3266D19946C7}"/>
               </a:ext>
             </a:extLst>
           </p:cNvPr>
@@ -6575,63 +6576,63 @@
                 <a:gridCol w="754398">
                   <a:extLst>
                     <a:ext uri="{9D8B030D-6E8A-4147-A177-3AD203B41FA5}">
-                      <a16:colId xmlns:a16="http://schemas.microsoft.com/office/drawing/2014/main" xmlns="" val="20000"/>
+                      <a16:colId xmlns="" xmlns:a16="http://schemas.microsoft.com/office/drawing/2014/main" val="20000"/>
                     </a:ext>
                   </a:extLst>
                 </a:gridCol>
                 <a:gridCol w="1803253">
                   <a:extLst>
                     <a:ext uri="{9D8B030D-6E8A-4147-A177-3AD203B41FA5}">
-                      <a16:colId xmlns:a16="http://schemas.microsoft.com/office/drawing/2014/main" xmlns="" val="20001"/>
+                      <a16:colId xmlns="" xmlns:a16="http://schemas.microsoft.com/office/drawing/2014/main" val="20001"/>
                     </a:ext>
                   </a:extLst>
                 </a:gridCol>
                 <a:gridCol w="1554737">
                   <a:extLst>
                     <a:ext uri="{9D8B030D-6E8A-4147-A177-3AD203B41FA5}">
-                      <a16:colId xmlns:a16="http://schemas.microsoft.com/office/drawing/2014/main" xmlns="" val="20002"/>
+                      <a16:colId xmlns="" xmlns:a16="http://schemas.microsoft.com/office/drawing/2014/main" val="20002"/>
                     </a:ext>
                   </a:extLst>
                 </a:gridCol>
                 <a:gridCol w="753850">
                   <a:extLst>
                     <a:ext uri="{9D8B030D-6E8A-4147-A177-3AD203B41FA5}">
-                      <a16:colId xmlns:a16="http://schemas.microsoft.com/office/drawing/2014/main" xmlns="" val="20003"/>
+                      <a16:colId xmlns="" xmlns:a16="http://schemas.microsoft.com/office/drawing/2014/main" val="20003"/>
                     </a:ext>
                   </a:extLst>
                 </a:gridCol>
                 <a:gridCol w="1882757">
                   <a:extLst>
                     <a:ext uri="{9D8B030D-6E8A-4147-A177-3AD203B41FA5}">
-                      <a16:colId xmlns:a16="http://schemas.microsoft.com/office/drawing/2014/main" xmlns="" val="20004"/>
+                      <a16:colId xmlns="" xmlns:a16="http://schemas.microsoft.com/office/drawing/2014/main" val="20004"/>
                     </a:ext>
                   </a:extLst>
                 </a:gridCol>
                 <a:gridCol w="1382689">
                   <a:extLst>
                     <a:ext uri="{9D8B030D-6E8A-4147-A177-3AD203B41FA5}">
-                      <a16:colId xmlns:a16="http://schemas.microsoft.com/office/drawing/2014/main" xmlns="" val="20005"/>
+                      <a16:colId xmlns="" xmlns:a16="http://schemas.microsoft.com/office/drawing/2014/main" val="20005"/>
                     </a:ext>
                   </a:extLst>
                 </a:gridCol>
                 <a:gridCol w="1382689">
                   <a:extLst>
                     <a:ext uri="{9D8B030D-6E8A-4147-A177-3AD203B41FA5}">
-                      <a16:colId xmlns:a16="http://schemas.microsoft.com/office/drawing/2014/main" xmlns="" val="20006"/>
+                      <a16:colId xmlns="" xmlns:a16="http://schemas.microsoft.com/office/drawing/2014/main" val="20006"/>
                     </a:ext>
                   </a:extLst>
                 </a:gridCol>
                 <a:gridCol w="999692">
                   <a:extLst>
                     <a:ext uri="{9D8B030D-6E8A-4147-A177-3AD203B41FA5}">
-                      <a16:colId xmlns:a16="http://schemas.microsoft.com/office/drawing/2014/main" xmlns="" val="20007"/>
+                      <a16:colId xmlns="" xmlns:a16="http://schemas.microsoft.com/office/drawing/2014/main" val="20007"/>
                     </a:ext>
                   </a:extLst>
                 </a:gridCol>
                 <a:gridCol w="571902">
                   <a:extLst>
                     <a:ext uri="{9D8B030D-6E8A-4147-A177-3AD203B41FA5}">
-                      <a16:colId xmlns:a16="http://schemas.microsoft.com/office/drawing/2014/main" xmlns="" val="20008"/>
+                      <a16:colId xmlns="" xmlns:a16="http://schemas.microsoft.com/office/drawing/2014/main" val="20008"/>
                     </a:ext>
                   </a:extLst>
                 </a:gridCol>
@@ -6949,7 +6950,7 @@
                 </a:tc>
                 <a:extLst>
                   <a:ext uri="{0D108BD9-81ED-4DB2-BD59-A6C34878D82A}">
-                    <a16:rowId xmlns:a16="http://schemas.microsoft.com/office/drawing/2014/main" xmlns="" val="10000"/>
+                    <a16:rowId xmlns="" xmlns:a16="http://schemas.microsoft.com/office/drawing/2014/main" val="10000"/>
                   </a:ext>
                 </a:extLst>
               </a:tr>
@@ -7354,7 +7355,7 @@
                 </a:tc>
                 <a:extLst>
                   <a:ext uri="{0D108BD9-81ED-4DB2-BD59-A6C34878D82A}">
-                    <a16:rowId xmlns:a16="http://schemas.microsoft.com/office/drawing/2014/main" xmlns="" val="10001"/>
+                    <a16:rowId xmlns="" xmlns:a16="http://schemas.microsoft.com/office/drawing/2014/main" val="10001"/>
                   </a:ext>
                 </a:extLst>
               </a:tr>
@@ -7539,7 +7540,7 @@
                 </a:tc>
                 <a:extLst>
                   <a:ext uri="{0D108BD9-81ED-4DB2-BD59-A6C34878D82A}">
-                    <a16:rowId xmlns:a16="http://schemas.microsoft.com/office/drawing/2014/main" xmlns="" val="10002"/>
+                    <a16:rowId xmlns="" xmlns:a16="http://schemas.microsoft.com/office/drawing/2014/main" val="10002"/>
                   </a:ext>
                 </a:extLst>
               </a:tr>
@@ -8076,7 +8077,7 @@
                 </a:tc>
                 <a:extLst>
                   <a:ext uri="{0D108BD9-81ED-4DB2-BD59-A6C34878D82A}">
-                    <a16:rowId xmlns:a16="http://schemas.microsoft.com/office/drawing/2014/main" xmlns="" val="10003"/>
+                    <a16:rowId xmlns="" xmlns:a16="http://schemas.microsoft.com/office/drawing/2014/main" val="10003"/>
                   </a:ext>
                 </a:extLst>
               </a:tr>
@@ -8261,7 +8262,7 @@
                 </a:tc>
                 <a:extLst>
                   <a:ext uri="{0D108BD9-81ED-4DB2-BD59-A6C34878D82A}">
-                    <a16:rowId xmlns:a16="http://schemas.microsoft.com/office/drawing/2014/main" xmlns="" val="10004"/>
+                    <a16:rowId xmlns="" xmlns:a16="http://schemas.microsoft.com/office/drawing/2014/main" val="10004"/>
                   </a:ext>
                 </a:extLst>
               </a:tr>
@@ -8446,7 +8447,7 @@
                 </a:tc>
                 <a:extLst>
                   <a:ext uri="{0D108BD9-81ED-4DB2-BD59-A6C34878D82A}">
-                    <a16:rowId xmlns:a16="http://schemas.microsoft.com/office/drawing/2014/main" xmlns="" val="10005"/>
+                    <a16:rowId xmlns="" xmlns:a16="http://schemas.microsoft.com/office/drawing/2014/main" val="10005"/>
                   </a:ext>
                 </a:extLst>
               </a:tr>
@@ -8631,7 +8632,7 @@
                 </a:tc>
                 <a:extLst>
                   <a:ext uri="{0D108BD9-81ED-4DB2-BD59-A6C34878D82A}">
-                    <a16:rowId xmlns:a16="http://schemas.microsoft.com/office/drawing/2014/main" xmlns="" val="10006"/>
+                    <a16:rowId xmlns="" xmlns:a16="http://schemas.microsoft.com/office/drawing/2014/main" val="10006"/>
                   </a:ext>
                 </a:extLst>
               </a:tr>
@@ -8787,7 +8788,7 @@
           <p:cNvPr id="2" name="Title 1">
             <a:extLst>
               <a:ext uri="{FF2B5EF4-FFF2-40B4-BE49-F238E27FC236}">
-                <a16:creationId xmlns:a16="http://schemas.microsoft.com/office/drawing/2014/main" xmlns="" id="{283E29DD-F553-5E4C-AAA3-642B14993437}"/>
+                <a16:creationId xmlns="" xmlns:a16="http://schemas.microsoft.com/office/drawing/2014/main" id="{283E29DD-F553-5E4C-AAA3-642B14993437}"/>
               </a:ext>
             </a:extLst>
           </p:cNvPr>
@@ -9513,7 +9514,6 @@
               <a:rPr lang="en-US" dirty="0" smtClean="0"/>
               <a:t>cycle.</a:t>
             </a:r>
-            <a:endParaRPr lang="en-US" dirty="0" smtClean="0"/>
           </a:p>
           <a:p>
             <a:r>
@@ -9526,11 +9526,7 @@
             </a:r>
             <a:r>
               <a:rPr lang="en-US" dirty="0" smtClean="0"/>
-              <a:t>ease the understanding of water cycle</a:t>
-            </a:r>
-            <a:r>
-              <a:rPr lang="en-US" dirty="0" smtClean="0"/>
-              <a:t> for students. It consists of:</a:t>
+              <a:t>ease the understanding of water cycle for students. It consists of:</a:t>
             </a:r>
             <a:endParaRPr lang="en-US" dirty="0"/>
           </a:p>
@@ -10159,7 +10155,7 @@
           <p:cNvPr id="2" name="Title 1">
             <a:extLst>
               <a:ext uri="{FF2B5EF4-FFF2-40B4-BE49-F238E27FC236}">
-                <a16:creationId xmlns:a16="http://schemas.microsoft.com/office/drawing/2014/main" xmlns="" id="{188EC054-C8A1-4270-AD6A-BFF830EFD914}"/>
+                <a16:creationId xmlns="" xmlns:a16="http://schemas.microsoft.com/office/drawing/2014/main" id="{188EC054-C8A1-4270-AD6A-BFF830EFD914}"/>
               </a:ext>
             </a:extLst>
           </p:cNvPr>
@@ -10187,7 +10183,7 @@
           <p:cNvPr id="3" name="Content Placeholder 2">
             <a:extLst>
               <a:ext uri="{FF2B5EF4-FFF2-40B4-BE49-F238E27FC236}">
-                <a16:creationId xmlns:a16="http://schemas.microsoft.com/office/drawing/2014/main" xmlns="" id="{C450E60A-4A4C-475C-9746-39A9C405E5AE}"/>
+                <a16:creationId xmlns="" xmlns:a16="http://schemas.microsoft.com/office/drawing/2014/main" id="{C450E60A-4A4C-475C-9746-39A9C405E5AE}"/>
               </a:ext>
             </a:extLst>
           </p:cNvPr>
@@ -10272,7 +10268,7 @@
           <p:cNvPr id="2" name="Title 1">
             <a:extLst>
               <a:ext uri="{FF2B5EF4-FFF2-40B4-BE49-F238E27FC236}">
-                <a16:creationId xmlns:a16="http://schemas.microsoft.com/office/drawing/2014/main" xmlns="" id="{D6EA19ED-1A87-48D5-928D-916299BB8895}"/>
+                <a16:creationId xmlns="" xmlns:a16="http://schemas.microsoft.com/office/drawing/2014/main" id="{D6EA19ED-1A87-48D5-928D-916299BB8895}"/>
               </a:ext>
             </a:extLst>
           </p:cNvPr>
@@ -10291,8 +10287,13 @@
             <a:pPr algn="ctr"/>
             <a:r>
               <a:rPr lang="en-US" dirty="0"/>
-              <a:t>Main Menu Module</a:t>
-            </a:r>
+              <a:t>Main </a:t>
+            </a:r>
+            <a:r>
+              <a:rPr lang="en-US" dirty="0" smtClean="0"/>
+              <a:t>Menu</a:t>
+            </a:r>
+            <a:endParaRPr lang="en-US" dirty="0"/>
           </a:p>
         </p:txBody>
       </p:sp>
@@ -10301,7 +10302,7 @@
           <p:cNvPr id="4" name="Content Placeholder 3">
             <a:extLst>
               <a:ext uri="{FF2B5EF4-FFF2-40B4-BE49-F238E27FC236}">
-                <a16:creationId xmlns:a16="http://schemas.microsoft.com/office/drawing/2014/main" xmlns="" id="{19044875-2863-4029-9C3B-3A34319FBFA9}"/>
+                <a16:creationId xmlns="" xmlns:a16="http://schemas.microsoft.com/office/drawing/2014/main" id="{19044875-2863-4029-9C3B-3A34319FBFA9}"/>
               </a:ext>
             </a:extLst>
           </p:cNvPr>
@@ -10374,7 +10375,7 @@
           <p:cNvPr id="2" name="Title 1">
             <a:extLst>
               <a:ext uri="{FF2B5EF4-FFF2-40B4-BE49-F238E27FC236}">
-                <a16:creationId xmlns:a16="http://schemas.microsoft.com/office/drawing/2014/main" xmlns="" id="{6C6B4D10-8D2A-43F3-8F08-83A32B1DE4D5}"/>
+                <a16:creationId xmlns="" xmlns:a16="http://schemas.microsoft.com/office/drawing/2014/main" id="{6C6B4D10-8D2A-43F3-8F08-83A32B1DE4D5}"/>
               </a:ext>
             </a:extLst>
           </p:cNvPr>
@@ -10393,8 +10394,13 @@
             <a:pPr algn="ctr"/>
             <a:r>
               <a:rPr lang="en-US" dirty="0"/>
-              <a:t>Game Mode Module</a:t>
-            </a:r>
+              <a:t>Game </a:t>
+            </a:r>
+            <a:r>
+              <a:rPr lang="en-US" dirty="0" smtClean="0"/>
+              <a:t>Mode</a:t>
+            </a:r>
+            <a:endParaRPr lang="en-US" dirty="0"/>
           </a:p>
         </p:txBody>
       </p:sp>
@@ -10403,7 +10409,7 @@
           <p:cNvPr id="4" name="Content Placeholder 3">
             <a:extLst>
               <a:ext uri="{FF2B5EF4-FFF2-40B4-BE49-F238E27FC236}">
-                <a16:creationId xmlns:a16="http://schemas.microsoft.com/office/drawing/2014/main" xmlns="" id="{6D8B4324-5C06-427C-A7DC-C058189EBBC1}"/>
+                <a16:creationId xmlns="" xmlns:a16="http://schemas.microsoft.com/office/drawing/2014/main" id="{6D8B4324-5C06-427C-A7DC-C058189EBBC1}"/>
               </a:ext>
             </a:extLst>
           </p:cNvPr>
@@ -10476,7 +10482,7 @@
           <p:cNvPr id="2" name="Title 1">
             <a:extLst>
               <a:ext uri="{FF2B5EF4-FFF2-40B4-BE49-F238E27FC236}">
-                <a16:creationId xmlns:a16="http://schemas.microsoft.com/office/drawing/2014/main" xmlns="" id="{82C77B20-7376-4985-A320-EB6A64D68353}"/>
+                <a16:creationId xmlns="" xmlns:a16="http://schemas.microsoft.com/office/drawing/2014/main" id="{82C77B20-7376-4985-A320-EB6A64D68353}"/>
               </a:ext>
             </a:extLst>
           </p:cNvPr>
@@ -10495,16 +10501,17 @@
             <a:pPr algn="ctr"/>
             <a:r>
               <a:rPr lang="en-US" dirty="0"/>
-              <a:t>Tour Mode </a:t>
-            </a:r>
-            <a:r>
-              <a:rPr lang="en-US" dirty="0">
-                <a:solidFill>
-                  <a:srgbClr val="FF0000"/>
-                </a:solidFill>
-              </a:rPr>
-              <a:t>Module</a:t>
-            </a:r>
+              <a:t>Tour </a:t>
+            </a:r>
+            <a:r>
+              <a:rPr lang="en-US" dirty="0" smtClean="0"/>
+              <a:t>Mode</a:t>
+            </a:r>
+            <a:endParaRPr lang="en-US" dirty="0">
+              <a:solidFill>
+                <a:srgbClr val="FF0000"/>
+              </a:solidFill>
+            </a:endParaRPr>
           </a:p>
         </p:txBody>
       </p:sp>
@@ -10513,7 +10520,7 @@
           <p:cNvPr id="4" name="Picture 3">
             <a:extLst>
               <a:ext uri="{FF2B5EF4-FFF2-40B4-BE49-F238E27FC236}">
-                <a16:creationId xmlns:a16="http://schemas.microsoft.com/office/drawing/2014/main" xmlns="" id="{493BFB8A-AC34-4EF2-AEE0-F598823A10F0}"/>
+                <a16:creationId xmlns="" xmlns:a16="http://schemas.microsoft.com/office/drawing/2014/main" id="{493BFB8A-AC34-4EF2-AEE0-F598823A10F0}"/>
               </a:ext>
             </a:extLst>
           </p:cNvPr>

--- a/Final[2508].pptx
+++ b/Final[2508].pptx
@@ -218,7 +218,7 @@
           <a:p>
             <a:fld id="{69F75836-DCE1-46D1-902E-93AB39588390}" type="datetimeFigureOut">
               <a:rPr lang="en-US" smtClean="0"/>
-              <a:t>12/3/2019</a:t>
+              <a:t>12/8/2019</a:t>
             </a:fld>
             <a:endParaRPr lang="en-US"/>
           </a:p>
@@ -730,7 +730,7 @@
           <a:p>
             <a:fld id="{AB74F416-60AC-47B8-B7A4-8E59A1593C56}" type="datetime1">
               <a:rPr lang="en-US" smtClean="0"/>
-              <a:t>12/3/2019</a:t>
+              <a:t>12/8/2019</a:t>
             </a:fld>
             <a:endParaRPr lang="en-US"/>
           </a:p>
@@ -1015,7 +1015,7 @@
           <a:p>
             <a:fld id="{BB53C6D8-AA99-4DA3-ABE8-6564F3774B9A}" type="datetime1">
               <a:rPr lang="en-US" smtClean="0"/>
-              <a:t>12/3/2019</a:t>
+              <a:t>12/8/2019</a:t>
             </a:fld>
             <a:endParaRPr lang="en-US"/>
           </a:p>
@@ -1198,7 +1198,7 @@
           <a:p>
             <a:fld id="{FAFFD409-992B-4396-831E-400331BF155E}" type="datetime1">
               <a:rPr lang="en-US" smtClean="0"/>
-              <a:t>12/3/2019</a:t>
+              <a:t>12/8/2019</a:t>
             </a:fld>
             <a:endParaRPr lang="en-US"/>
           </a:p>
@@ -1371,7 +1371,7 @@
           <a:p>
             <a:fld id="{A58A56B9-9364-44BD-B6D4-BF1545A1D032}" type="datetime1">
               <a:rPr lang="en-US" smtClean="0"/>
-              <a:t>12/3/2019</a:t>
+              <a:t>12/8/2019</a:t>
             </a:fld>
             <a:endParaRPr lang="en-US"/>
           </a:p>
@@ -1646,7 +1646,7 @@
           <a:p>
             <a:fld id="{08107730-E7E0-4034-9139-F86131BC67E9}" type="datetime1">
               <a:rPr lang="en-US" smtClean="0"/>
-              <a:t>12/3/2019</a:t>
+              <a:t>12/8/2019</a:t>
             </a:fld>
             <a:endParaRPr lang="en-US"/>
           </a:p>
@@ -1997,7 +1997,7 @@
           <a:p>
             <a:fld id="{2128C74C-6B0A-4BE2-AEB5-ADDA4577555B}" type="datetime1">
               <a:rPr lang="en-US" smtClean="0"/>
-              <a:t>12/3/2019</a:t>
+              <a:t>12/8/2019</a:t>
             </a:fld>
             <a:endParaRPr lang="en-US"/>
           </a:p>
@@ -2477,7 +2477,7 @@
           <a:p>
             <a:fld id="{96ED5E1F-5CA0-44A8-9FAF-8E0C8C93E227}" type="datetime1">
               <a:rPr lang="en-US" smtClean="0"/>
-              <a:t>12/3/2019</a:t>
+              <a:t>12/8/2019</a:t>
             </a:fld>
             <a:endParaRPr lang="en-US"/>
           </a:p>
@@ -2598,7 +2598,7 @@
           <a:p>
             <a:fld id="{9F749C11-8001-49CF-9B59-56FDE52B5F69}" type="datetime1">
               <a:rPr lang="en-US" smtClean="0"/>
-              <a:t>12/3/2019</a:t>
+              <a:t>12/8/2019</a:t>
             </a:fld>
             <a:endParaRPr lang="en-US"/>
           </a:p>
@@ -2696,7 +2696,7 @@
           <a:p>
             <a:fld id="{5EC0E55E-AF34-4E2E-A4E8-BDA3BCCD8B12}" type="datetime1">
               <a:rPr lang="en-US" smtClean="0"/>
-              <a:t>12/3/2019</a:t>
+              <a:t>12/8/2019</a:t>
             </a:fld>
             <a:endParaRPr lang="en-US"/>
           </a:p>
@@ -3045,7 +3045,7 @@
           <a:p>
             <a:fld id="{C85C3791-D12F-464C-8CBC-469E089CC249}" type="datetime1">
               <a:rPr lang="en-US" smtClean="0"/>
-              <a:t>12/3/2019</a:t>
+              <a:t>12/8/2019</a:t>
             </a:fld>
             <a:endParaRPr lang="en-US"/>
           </a:p>
@@ -3431,7 +3431,7 @@
           <a:p>
             <a:fld id="{3901A8D7-7DE1-49C0-A859-BA2154FD532A}" type="datetime1">
               <a:rPr lang="en-US" smtClean="0"/>
-              <a:t>12/3/2019</a:t>
+              <a:t>12/8/2019</a:t>
             </a:fld>
             <a:endParaRPr lang="en-US"/>
           </a:p>
@@ -3704,7 +3704,7 @@
           <a:p>
             <a:fld id="{C3381DA6-54E6-48A3-B70A-BA200C1D04A7}" type="datetime1">
               <a:rPr lang="en-US" smtClean="0"/>
-              <a:t>12/3/2019</a:t>
+              <a:t>12/8/2019</a:t>
             </a:fld>
             <a:endParaRPr lang="en-US"/>
           </a:p>
@@ -4351,7 +4351,7 @@
           <p:cNvPr id="7" name="Picture 6">
             <a:extLst>
               <a:ext uri="{FF2B5EF4-FFF2-40B4-BE49-F238E27FC236}">
-                <a16:creationId xmlns="" xmlns:a16="http://schemas.microsoft.com/office/drawing/2014/main" id="{C87BE86B-E7D9-4F90-831E-5069DA0C28B1}"/>
+                <a16:creationId xmlns:a16="http://schemas.microsoft.com/office/drawing/2014/main" xmlns="" id="{C87BE86B-E7D9-4F90-831E-5069DA0C28B1}"/>
               </a:ext>
             </a:extLst>
           </p:cNvPr>
@@ -4412,7 +4412,7 @@
           <p:cNvPr id="2" name="Title 1">
             <a:extLst>
               <a:ext uri="{FF2B5EF4-FFF2-40B4-BE49-F238E27FC236}">
-                <a16:creationId xmlns="" xmlns:a16="http://schemas.microsoft.com/office/drawing/2014/main" id="{CD1992F5-37E6-4DF0-B6E3-E3BC4D55116B}"/>
+                <a16:creationId xmlns:a16="http://schemas.microsoft.com/office/drawing/2014/main" xmlns="" id="{CD1992F5-37E6-4DF0-B6E3-E3BC4D55116B}"/>
               </a:ext>
             </a:extLst>
           </p:cNvPr>
@@ -4447,7 +4447,7 @@
           <p:cNvPr id="4" name="Picture 3">
             <a:extLst>
               <a:ext uri="{FF2B5EF4-FFF2-40B4-BE49-F238E27FC236}">
-                <a16:creationId xmlns="" xmlns:a16="http://schemas.microsoft.com/office/drawing/2014/main" id="{B74C3B5E-2C72-408E-A17F-2852A157BCF4}"/>
+                <a16:creationId xmlns:a16="http://schemas.microsoft.com/office/drawing/2014/main" xmlns="" id="{B74C3B5E-2C72-408E-A17F-2852A157BCF4}"/>
               </a:ext>
             </a:extLst>
           </p:cNvPr>
@@ -4516,7 +4516,7 @@
           <p:cNvPr id="2" name="Title 1">
             <a:extLst>
               <a:ext uri="{FF2B5EF4-FFF2-40B4-BE49-F238E27FC236}">
-                <a16:creationId xmlns="" xmlns:a16="http://schemas.microsoft.com/office/drawing/2014/main" id="{72408A9F-7FA8-47EE-AEA8-112E9A11308D}"/>
+                <a16:creationId xmlns:a16="http://schemas.microsoft.com/office/drawing/2014/main" xmlns="" id="{72408A9F-7FA8-47EE-AEA8-112E9A11308D}"/>
               </a:ext>
             </a:extLst>
           </p:cNvPr>
@@ -4544,7 +4544,7 @@
           <p:cNvPr id="4" name="Picture 3">
             <a:extLst>
               <a:ext uri="{FF2B5EF4-FFF2-40B4-BE49-F238E27FC236}">
-                <a16:creationId xmlns="" xmlns:a16="http://schemas.microsoft.com/office/drawing/2014/main" id="{130C693D-0082-42E2-8009-DAA156230A2D}"/>
+                <a16:creationId xmlns:a16="http://schemas.microsoft.com/office/drawing/2014/main" xmlns="" id="{130C693D-0082-42E2-8009-DAA156230A2D}"/>
               </a:ext>
             </a:extLst>
           </p:cNvPr>
@@ -4608,7 +4608,7 @@
           <p:cNvPr id="2" name="Title 1">
             <a:extLst>
               <a:ext uri="{FF2B5EF4-FFF2-40B4-BE49-F238E27FC236}">
-                <a16:creationId xmlns="" xmlns:a16="http://schemas.microsoft.com/office/drawing/2014/main" id="{35E05BB2-BBAA-4D69-A33C-1E9EA5535B15}"/>
+                <a16:creationId xmlns:a16="http://schemas.microsoft.com/office/drawing/2014/main" xmlns="" id="{35E05BB2-BBAA-4D69-A33C-1E9EA5535B15}"/>
               </a:ext>
             </a:extLst>
           </p:cNvPr>
@@ -4636,7 +4636,7 @@
           <p:cNvPr id="3" name="Content Placeholder 2">
             <a:extLst>
               <a:ext uri="{FF2B5EF4-FFF2-40B4-BE49-F238E27FC236}">
-                <a16:creationId xmlns="" xmlns:a16="http://schemas.microsoft.com/office/drawing/2014/main" id="{D6C69CD3-FDB0-4F51-BF20-3540E3E5BDC3}"/>
+                <a16:creationId xmlns:a16="http://schemas.microsoft.com/office/drawing/2014/main" xmlns="" id="{D6C69CD3-FDB0-4F51-BF20-3540E3E5BDC3}"/>
               </a:ext>
             </a:extLst>
           </p:cNvPr>
@@ -4706,7 +4706,7 @@
           <p:cNvPr id="2" name="Title 1">
             <a:extLst>
               <a:ext uri="{FF2B5EF4-FFF2-40B4-BE49-F238E27FC236}">
-                <a16:creationId xmlns="" xmlns:a16="http://schemas.microsoft.com/office/drawing/2014/main" id="{C66671C6-2D3E-41A2-9405-3BE98F784F4E}"/>
+                <a16:creationId xmlns:a16="http://schemas.microsoft.com/office/drawing/2014/main" xmlns="" id="{C66671C6-2D3E-41A2-9405-3BE98F784F4E}"/>
               </a:ext>
             </a:extLst>
           </p:cNvPr>
@@ -4740,7 +4740,7 @@
           <p:cNvPr id="3" name="Content Placeholder 2">
             <a:extLst>
               <a:ext uri="{FF2B5EF4-FFF2-40B4-BE49-F238E27FC236}">
-                <a16:creationId xmlns="" xmlns:a16="http://schemas.microsoft.com/office/drawing/2014/main" id="{4F2994D7-DD43-4771-88A0-0B2DABC7D5EF}"/>
+                <a16:creationId xmlns:a16="http://schemas.microsoft.com/office/drawing/2014/main" xmlns="" id="{4F2994D7-DD43-4771-88A0-0B2DABC7D5EF}"/>
               </a:ext>
             </a:extLst>
           </p:cNvPr>
@@ -4856,7 +4856,7 @@
           <p:cNvPr id="2" name="Title 1">
             <a:extLst>
               <a:ext uri="{FF2B5EF4-FFF2-40B4-BE49-F238E27FC236}">
-                <a16:creationId xmlns="" xmlns:a16="http://schemas.microsoft.com/office/drawing/2014/main" id="{32BF840A-1286-494D-8F55-F34E4C46CC90}"/>
+                <a16:creationId xmlns:a16="http://schemas.microsoft.com/office/drawing/2014/main" xmlns="" id="{32BF840A-1286-494D-8F55-F34E4C46CC90}"/>
               </a:ext>
             </a:extLst>
           </p:cNvPr>
@@ -4884,7 +4884,7 @@
           <p:cNvPr id="3" name="Content Placeholder 2">
             <a:extLst>
               <a:ext uri="{FF2B5EF4-FFF2-40B4-BE49-F238E27FC236}">
-                <a16:creationId xmlns="" xmlns:a16="http://schemas.microsoft.com/office/drawing/2014/main" id="{7A585712-05BE-4FEE-B049-114455637083}"/>
+                <a16:creationId xmlns:a16="http://schemas.microsoft.com/office/drawing/2014/main" xmlns="" id="{7A585712-05BE-4FEE-B049-114455637083}"/>
               </a:ext>
             </a:extLst>
           </p:cNvPr>
@@ -4956,7 +4956,7 @@
           <p:cNvPr id="2" name="Title 1">
             <a:extLst>
               <a:ext uri="{FF2B5EF4-FFF2-40B4-BE49-F238E27FC236}">
-                <a16:creationId xmlns="" xmlns:a16="http://schemas.microsoft.com/office/drawing/2014/main" id="{22EC3005-1204-404A-8DF6-14963C08CD39}"/>
+                <a16:creationId xmlns:a16="http://schemas.microsoft.com/office/drawing/2014/main" xmlns="" id="{22EC3005-1204-404A-8DF6-14963C08CD39}"/>
               </a:ext>
             </a:extLst>
           </p:cNvPr>
@@ -4984,7 +4984,7 @@
           <p:cNvPr id="3" name="Content Placeholder 2">
             <a:extLst>
               <a:ext uri="{FF2B5EF4-FFF2-40B4-BE49-F238E27FC236}">
-                <a16:creationId xmlns="" xmlns:a16="http://schemas.microsoft.com/office/drawing/2014/main" id="{7FF16DDA-DC2F-4804-B711-3266D19946C7}"/>
+                <a16:creationId xmlns:a16="http://schemas.microsoft.com/office/drawing/2014/main" xmlns="" id="{7FF16DDA-DC2F-4804-B711-3266D19946C7}"/>
               </a:ext>
             </a:extLst>
           </p:cNvPr>
@@ -6576,63 +6576,63 @@
                 <a:gridCol w="754398">
                   <a:extLst>
                     <a:ext uri="{9D8B030D-6E8A-4147-A177-3AD203B41FA5}">
-                      <a16:colId xmlns="" xmlns:a16="http://schemas.microsoft.com/office/drawing/2014/main" val="20000"/>
+                      <a16:colId xmlns:a16="http://schemas.microsoft.com/office/drawing/2014/main" xmlns="" val="20000"/>
                     </a:ext>
                   </a:extLst>
                 </a:gridCol>
                 <a:gridCol w="1803253">
                   <a:extLst>
                     <a:ext uri="{9D8B030D-6E8A-4147-A177-3AD203B41FA5}">
-                      <a16:colId xmlns="" xmlns:a16="http://schemas.microsoft.com/office/drawing/2014/main" val="20001"/>
+                      <a16:colId xmlns:a16="http://schemas.microsoft.com/office/drawing/2014/main" xmlns="" val="20001"/>
                     </a:ext>
                   </a:extLst>
                 </a:gridCol>
                 <a:gridCol w="1554737">
                   <a:extLst>
                     <a:ext uri="{9D8B030D-6E8A-4147-A177-3AD203B41FA5}">
-                      <a16:colId xmlns="" xmlns:a16="http://schemas.microsoft.com/office/drawing/2014/main" val="20002"/>
+                      <a16:colId xmlns:a16="http://schemas.microsoft.com/office/drawing/2014/main" xmlns="" val="20002"/>
                     </a:ext>
                   </a:extLst>
                 </a:gridCol>
                 <a:gridCol w="753850">
                   <a:extLst>
                     <a:ext uri="{9D8B030D-6E8A-4147-A177-3AD203B41FA5}">
-                      <a16:colId xmlns="" xmlns:a16="http://schemas.microsoft.com/office/drawing/2014/main" val="20003"/>
+                      <a16:colId xmlns:a16="http://schemas.microsoft.com/office/drawing/2014/main" xmlns="" val="20003"/>
                     </a:ext>
                   </a:extLst>
                 </a:gridCol>
                 <a:gridCol w="1882757">
                   <a:extLst>
                     <a:ext uri="{9D8B030D-6E8A-4147-A177-3AD203B41FA5}">
-                      <a16:colId xmlns="" xmlns:a16="http://schemas.microsoft.com/office/drawing/2014/main" val="20004"/>
+                      <a16:colId xmlns:a16="http://schemas.microsoft.com/office/drawing/2014/main" xmlns="" val="20004"/>
                     </a:ext>
                   </a:extLst>
                 </a:gridCol>
                 <a:gridCol w="1382689">
                   <a:extLst>
                     <a:ext uri="{9D8B030D-6E8A-4147-A177-3AD203B41FA5}">
-                      <a16:colId xmlns="" xmlns:a16="http://schemas.microsoft.com/office/drawing/2014/main" val="20005"/>
+                      <a16:colId xmlns:a16="http://schemas.microsoft.com/office/drawing/2014/main" xmlns="" val="20005"/>
                     </a:ext>
                   </a:extLst>
                 </a:gridCol>
                 <a:gridCol w="1382689">
                   <a:extLst>
                     <a:ext uri="{9D8B030D-6E8A-4147-A177-3AD203B41FA5}">
-                      <a16:colId xmlns="" xmlns:a16="http://schemas.microsoft.com/office/drawing/2014/main" val="20006"/>
+                      <a16:colId xmlns:a16="http://schemas.microsoft.com/office/drawing/2014/main" xmlns="" val="20006"/>
                     </a:ext>
                   </a:extLst>
                 </a:gridCol>
                 <a:gridCol w="999692">
                   <a:extLst>
                     <a:ext uri="{9D8B030D-6E8A-4147-A177-3AD203B41FA5}">
-                      <a16:colId xmlns="" xmlns:a16="http://schemas.microsoft.com/office/drawing/2014/main" val="20007"/>
+                      <a16:colId xmlns:a16="http://schemas.microsoft.com/office/drawing/2014/main" xmlns="" val="20007"/>
                     </a:ext>
                   </a:extLst>
                 </a:gridCol>
                 <a:gridCol w="571902">
                   <a:extLst>
                     <a:ext uri="{9D8B030D-6E8A-4147-A177-3AD203B41FA5}">
-                      <a16:colId xmlns="" xmlns:a16="http://schemas.microsoft.com/office/drawing/2014/main" val="20008"/>
+                      <a16:colId xmlns:a16="http://schemas.microsoft.com/office/drawing/2014/main" xmlns="" val="20008"/>
                     </a:ext>
                   </a:extLst>
                 </a:gridCol>
@@ -6950,7 +6950,7 @@
                 </a:tc>
                 <a:extLst>
                   <a:ext uri="{0D108BD9-81ED-4DB2-BD59-A6C34878D82A}">
-                    <a16:rowId xmlns="" xmlns:a16="http://schemas.microsoft.com/office/drawing/2014/main" val="10000"/>
+                    <a16:rowId xmlns:a16="http://schemas.microsoft.com/office/drawing/2014/main" xmlns="" val="10000"/>
                   </a:ext>
                 </a:extLst>
               </a:tr>
@@ -7355,7 +7355,7 @@
                 </a:tc>
                 <a:extLst>
                   <a:ext uri="{0D108BD9-81ED-4DB2-BD59-A6C34878D82A}">
-                    <a16:rowId xmlns="" xmlns:a16="http://schemas.microsoft.com/office/drawing/2014/main" val="10001"/>
+                    <a16:rowId xmlns:a16="http://schemas.microsoft.com/office/drawing/2014/main" xmlns="" val="10001"/>
                   </a:ext>
                 </a:extLst>
               </a:tr>
@@ -7540,7 +7540,7 @@
                 </a:tc>
                 <a:extLst>
                   <a:ext uri="{0D108BD9-81ED-4DB2-BD59-A6C34878D82A}">
-                    <a16:rowId xmlns="" xmlns:a16="http://schemas.microsoft.com/office/drawing/2014/main" val="10002"/>
+                    <a16:rowId xmlns:a16="http://schemas.microsoft.com/office/drawing/2014/main" xmlns="" val="10002"/>
                   </a:ext>
                 </a:extLst>
               </a:tr>
@@ -8077,7 +8077,7 @@
                 </a:tc>
                 <a:extLst>
                   <a:ext uri="{0D108BD9-81ED-4DB2-BD59-A6C34878D82A}">
-                    <a16:rowId xmlns="" xmlns:a16="http://schemas.microsoft.com/office/drawing/2014/main" val="10003"/>
+                    <a16:rowId xmlns:a16="http://schemas.microsoft.com/office/drawing/2014/main" xmlns="" val="10003"/>
                   </a:ext>
                 </a:extLst>
               </a:tr>
@@ -8262,7 +8262,7 @@
                 </a:tc>
                 <a:extLst>
                   <a:ext uri="{0D108BD9-81ED-4DB2-BD59-A6C34878D82A}">
-                    <a16:rowId xmlns="" xmlns:a16="http://schemas.microsoft.com/office/drawing/2014/main" val="10004"/>
+                    <a16:rowId xmlns:a16="http://schemas.microsoft.com/office/drawing/2014/main" xmlns="" val="10004"/>
                   </a:ext>
                 </a:extLst>
               </a:tr>
@@ -8447,7 +8447,7 @@
                 </a:tc>
                 <a:extLst>
                   <a:ext uri="{0D108BD9-81ED-4DB2-BD59-A6C34878D82A}">
-                    <a16:rowId xmlns="" xmlns:a16="http://schemas.microsoft.com/office/drawing/2014/main" val="10005"/>
+                    <a16:rowId xmlns:a16="http://schemas.microsoft.com/office/drawing/2014/main" xmlns="" val="10005"/>
                   </a:ext>
                 </a:extLst>
               </a:tr>
@@ -8632,7 +8632,7 @@
                 </a:tc>
                 <a:extLst>
                   <a:ext uri="{0D108BD9-81ED-4DB2-BD59-A6C34878D82A}">
-                    <a16:rowId xmlns="" xmlns:a16="http://schemas.microsoft.com/office/drawing/2014/main" val="10006"/>
+                    <a16:rowId xmlns:a16="http://schemas.microsoft.com/office/drawing/2014/main" xmlns="" val="10006"/>
                   </a:ext>
                 </a:extLst>
               </a:tr>
@@ -8788,7 +8788,7 @@
           <p:cNvPr id="2" name="Title 1">
             <a:extLst>
               <a:ext uri="{FF2B5EF4-FFF2-40B4-BE49-F238E27FC236}">
-                <a16:creationId xmlns="" xmlns:a16="http://schemas.microsoft.com/office/drawing/2014/main" id="{283E29DD-F553-5E4C-AAA3-642B14993437}"/>
+                <a16:creationId xmlns:a16="http://schemas.microsoft.com/office/drawing/2014/main" xmlns="" id="{283E29DD-F553-5E4C-AAA3-642B14993437}"/>
               </a:ext>
             </a:extLst>
           </p:cNvPr>
@@ -8805,8 +8805,8 @@
           <a:lstStyle/>
           <a:p>
             <a:r>
-              <a:rPr lang="en-US" dirty="0"/>
-              <a:t>Unit </a:t>
+              <a:rPr lang="en-US" dirty="0" smtClean="0"/>
+              <a:t>Usability </a:t>
             </a:r>
             <a:r>
               <a:rPr lang="en-US" dirty="0" smtClean="0"/>
@@ -10155,7 +10155,7 @@
           <p:cNvPr id="2" name="Title 1">
             <a:extLst>
               <a:ext uri="{FF2B5EF4-FFF2-40B4-BE49-F238E27FC236}">
-                <a16:creationId xmlns="" xmlns:a16="http://schemas.microsoft.com/office/drawing/2014/main" id="{188EC054-C8A1-4270-AD6A-BFF830EFD914}"/>
+                <a16:creationId xmlns:a16="http://schemas.microsoft.com/office/drawing/2014/main" xmlns="" id="{188EC054-C8A1-4270-AD6A-BFF830EFD914}"/>
               </a:ext>
             </a:extLst>
           </p:cNvPr>
@@ -10183,7 +10183,7 @@
           <p:cNvPr id="3" name="Content Placeholder 2">
             <a:extLst>
               <a:ext uri="{FF2B5EF4-FFF2-40B4-BE49-F238E27FC236}">
-                <a16:creationId xmlns="" xmlns:a16="http://schemas.microsoft.com/office/drawing/2014/main" id="{C450E60A-4A4C-475C-9746-39A9C405E5AE}"/>
+                <a16:creationId xmlns:a16="http://schemas.microsoft.com/office/drawing/2014/main" xmlns="" id="{C450E60A-4A4C-475C-9746-39A9C405E5AE}"/>
               </a:ext>
             </a:extLst>
           </p:cNvPr>
@@ -10268,7 +10268,7 @@
           <p:cNvPr id="2" name="Title 1">
             <a:extLst>
               <a:ext uri="{FF2B5EF4-FFF2-40B4-BE49-F238E27FC236}">
-                <a16:creationId xmlns="" xmlns:a16="http://schemas.microsoft.com/office/drawing/2014/main" id="{D6EA19ED-1A87-48D5-928D-916299BB8895}"/>
+                <a16:creationId xmlns:a16="http://schemas.microsoft.com/office/drawing/2014/main" xmlns="" id="{D6EA19ED-1A87-48D5-928D-916299BB8895}"/>
               </a:ext>
             </a:extLst>
           </p:cNvPr>
@@ -10302,7 +10302,7 @@
           <p:cNvPr id="4" name="Content Placeholder 3">
             <a:extLst>
               <a:ext uri="{FF2B5EF4-FFF2-40B4-BE49-F238E27FC236}">
-                <a16:creationId xmlns="" xmlns:a16="http://schemas.microsoft.com/office/drawing/2014/main" id="{19044875-2863-4029-9C3B-3A34319FBFA9}"/>
+                <a16:creationId xmlns:a16="http://schemas.microsoft.com/office/drawing/2014/main" xmlns="" id="{19044875-2863-4029-9C3B-3A34319FBFA9}"/>
               </a:ext>
             </a:extLst>
           </p:cNvPr>
@@ -10375,7 +10375,7 @@
           <p:cNvPr id="2" name="Title 1">
             <a:extLst>
               <a:ext uri="{FF2B5EF4-FFF2-40B4-BE49-F238E27FC236}">
-                <a16:creationId xmlns="" xmlns:a16="http://schemas.microsoft.com/office/drawing/2014/main" id="{6C6B4D10-8D2A-43F3-8F08-83A32B1DE4D5}"/>
+                <a16:creationId xmlns:a16="http://schemas.microsoft.com/office/drawing/2014/main" xmlns="" id="{6C6B4D10-8D2A-43F3-8F08-83A32B1DE4D5}"/>
               </a:ext>
             </a:extLst>
           </p:cNvPr>
@@ -10409,7 +10409,7 @@
           <p:cNvPr id="4" name="Content Placeholder 3">
             <a:extLst>
               <a:ext uri="{FF2B5EF4-FFF2-40B4-BE49-F238E27FC236}">
-                <a16:creationId xmlns="" xmlns:a16="http://schemas.microsoft.com/office/drawing/2014/main" id="{6D8B4324-5C06-427C-A7DC-C058189EBBC1}"/>
+                <a16:creationId xmlns:a16="http://schemas.microsoft.com/office/drawing/2014/main" xmlns="" id="{6D8B4324-5C06-427C-A7DC-C058189EBBC1}"/>
               </a:ext>
             </a:extLst>
           </p:cNvPr>
@@ -10482,7 +10482,7 @@
           <p:cNvPr id="2" name="Title 1">
             <a:extLst>
               <a:ext uri="{FF2B5EF4-FFF2-40B4-BE49-F238E27FC236}">
-                <a16:creationId xmlns="" xmlns:a16="http://schemas.microsoft.com/office/drawing/2014/main" id="{82C77B20-7376-4985-A320-EB6A64D68353}"/>
+                <a16:creationId xmlns:a16="http://schemas.microsoft.com/office/drawing/2014/main" xmlns="" id="{82C77B20-7376-4985-A320-EB6A64D68353}"/>
               </a:ext>
             </a:extLst>
           </p:cNvPr>
@@ -10520,7 +10520,7 @@
           <p:cNvPr id="4" name="Picture 3">
             <a:extLst>
               <a:ext uri="{FF2B5EF4-FFF2-40B4-BE49-F238E27FC236}">
-                <a16:creationId xmlns="" xmlns:a16="http://schemas.microsoft.com/office/drawing/2014/main" id="{493BFB8A-AC34-4EF2-AEE0-F598823A10F0}"/>
+                <a16:creationId xmlns:a16="http://schemas.microsoft.com/office/drawing/2014/main" xmlns="" id="{493BFB8A-AC34-4EF2-AEE0-F598823A10F0}"/>
               </a:ext>
             </a:extLst>
           </p:cNvPr>
